--- a/assets/aps.pptx
+++ b/assets/aps.pptx
@@ -8,7 +8,8 @@
     <p:notesMasterId r:id="rId4"/>
   </p:notesMasterIdLst>
   <p:sldIdLst>
-    <p:sldId id="256" r:id="rId3"/>
+    <p:sldId id="256" r:id="rId2"/>
+    <p:sldId id="257" r:id="rId3"/>
   </p:sldIdLst>
   <p:sldSz cx="12192000" cy="6858000"/>
   <p:notesSz cx="6858000" cy="9144000"/>
@@ -107,6 +108,11 @@
       </a:defRPr>
     </a:lvl9pPr>
   </p:defaultTextStyle>
+  <p:extLst>
+    <p:ext uri="{EFAFB233-063F-42B5-8137-9DF3F51BA10A}">
+      <p15:sldGuideLst xmlns:p15="http://schemas.microsoft.com/office/powerpoint/2012/main"/>
+    </p:ext>
+  </p:extLst>
 </p:presentation>
 </file>
 
@@ -192,6 +198,7 @@
           <a:p>
             <a:fld id="{3EFD42F7-718C-4B98-AAEC-167E6DDD60A7}" type="datetimeFigureOut">
               <a:rPr lang="en-US" smtClean="0"/>
+              <a:t>10/6/2024</a:t>
             </a:fld>
             <a:endParaRPr lang="en-US"/>
           </a:p>
@@ -255,42 +262,37 @@
           <a:p>
             <a:pPr lvl="0"/>
             <a:r>
-              <a:rPr lang="en-US" smtClean="0"/>
+              <a:rPr lang="en-US"/>
               <a:t>Click to edit Master text styles</a:t>
             </a:r>
-            <a:endParaRPr lang="en-US" smtClean="0"/>
           </a:p>
           <a:p>
             <a:pPr lvl="1"/>
             <a:r>
-              <a:rPr lang="en-US" smtClean="0"/>
+              <a:rPr lang="en-US"/>
               <a:t>Second level</a:t>
             </a:r>
-            <a:endParaRPr lang="en-US" smtClean="0"/>
           </a:p>
           <a:p>
             <a:pPr lvl="2"/>
             <a:r>
-              <a:rPr lang="en-US" smtClean="0"/>
+              <a:rPr lang="en-US"/>
               <a:t>Third level</a:t>
             </a:r>
-            <a:endParaRPr lang="en-US" smtClean="0"/>
           </a:p>
           <a:p>
             <a:pPr lvl="3"/>
             <a:r>
-              <a:rPr lang="en-US" smtClean="0"/>
+              <a:rPr lang="en-US"/>
               <a:t>Fourth level</a:t>
             </a:r>
-            <a:endParaRPr lang="en-US" smtClean="0"/>
           </a:p>
           <a:p>
             <a:pPr lvl="4"/>
             <a:r>
-              <a:rPr lang="en-US" smtClean="0"/>
+              <a:rPr lang="en-US"/>
               <a:t>Fifth level</a:t>
             </a:r>
-            <a:endParaRPr lang="en-US"/>
           </a:p>
         </p:txBody>
       </p:sp>
@@ -354,6 +356,7 @@
           <a:p>
             <a:fld id="{21B2AA4F-B828-4D7C-AFD3-893933DAFCB4}" type="slidenum">
               <a:rPr lang="en-US" smtClean="0"/>
+              <a:t>‹#›</a:t>
             </a:fld>
             <a:endParaRPr lang="en-US"/>
           </a:p>
@@ -466,12 +469,19 @@
         <p:cNvGrpSpPr/>
         <p:nvPr/>
       </p:nvGrpSpPr>
-      <p:grpSpPr/>
+      <p:grpSpPr>
+        <a:xfrm>
+          <a:off x="0" y="0"/>
+          <a:ext cx="0" cy="0"/>
+          <a:chOff x="0" y="0"/>
+          <a:chExt cx="0" cy="0"/>
+        </a:xfrm>
+      </p:grpSpPr>
       <p:sp>
         <p:nvSpPr>
           <p:cNvPr id="2" name="Slide Image Placeholder 1"/>
           <p:cNvSpPr>
-            <a:spLocks noGrp="1"/>
+            <a:spLocks noGrp="1" noRot="1" noChangeAspect="1"/>
           </p:cNvSpPr>
           <p:nvPr>
             <p:ph type="sldImg" idx="2"/>
@@ -492,12 +502,74 @@
         <p:spPr/>
         <p:txBody>
           <a:bodyPr/>
+          <a:lstStyle/>
           <a:p>
             <a:endParaRPr lang="en-US"/>
           </a:p>
         </p:txBody>
       </p:sp>
     </p:spTree>
+  </p:cSld>
+  <p:clrMapOvr>
+    <a:masterClrMapping/>
+  </p:clrMapOvr>
+</p:notes>
+</file>
+
+<file path=ppt/notesSlides/notesSlide2.xml><?xml version="1.0" encoding="utf-8"?>
+<p:notes xmlns:a="http://schemas.openxmlformats.org/drawingml/2006/main" xmlns:r="http://schemas.openxmlformats.org/officeDocument/2006/relationships" xmlns:p="http://schemas.openxmlformats.org/presentationml/2006/main">
+  <p:cSld>
+    <p:spTree>
+      <p:nvGrpSpPr>
+        <p:cNvPr id="1" name=""/>
+        <p:cNvGrpSpPr/>
+        <p:nvPr/>
+      </p:nvGrpSpPr>
+      <p:grpSpPr>
+        <a:xfrm>
+          <a:off x="0" y="0"/>
+          <a:ext cx="0" cy="0"/>
+          <a:chOff x="0" y="0"/>
+          <a:chExt cx="0" cy="0"/>
+        </a:xfrm>
+      </p:grpSpPr>
+      <p:sp>
+        <p:nvSpPr>
+          <p:cNvPr id="2" name="Slide Image Placeholder 1"/>
+          <p:cNvSpPr>
+            <a:spLocks noGrp="1" noRot="1" noChangeAspect="1"/>
+          </p:cNvSpPr>
+          <p:nvPr>
+            <p:ph type="sldImg" idx="2"/>
+          </p:nvPr>
+        </p:nvSpPr>
+        <p:spPr/>
+      </p:sp>
+      <p:sp>
+        <p:nvSpPr>
+          <p:cNvPr id="3" name="Text Placeholder 2"/>
+          <p:cNvSpPr>
+            <a:spLocks noGrp="1"/>
+          </p:cNvSpPr>
+          <p:nvPr>
+            <p:ph type="body" idx="3"/>
+          </p:nvPr>
+        </p:nvSpPr>
+        <p:spPr/>
+        <p:txBody>
+          <a:bodyPr/>
+          <a:lstStyle/>
+          <a:p>
+            <a:endParaRPr lang="en-US"/>
+          </a:p>
+        </p:txBody>
+      </p:sp>
+    </p:spTree>
+    <p:extLst>
+      <p:ext uri="{BB962C8B-B14F-4D97-AF65-F5344CB8AC3E}">
+        <p14:creationId xmlns:p14="http://schemas.microsoft.com/office/powerpoint/2010/main" val="1944779366"/>
+      </p:ext>
+    </p:extLst>
   </p:cSld>
   <p:clrMapOvr>
     <a:masterClrMapping/>
@@ -547,10 +619,9 @@
           </a:lstStyle>
           <a:p>
             <a:r>
-              <a:rPr lang="en-US" smtClean="0"/>
+              <a:rPr lang="en-US"/>
               <a:t>Click to edit Master title style</a:t>
             </a:r>
-            <a:endParaRPr lang="en-US"/>
           </a:p>
         </p:txBody>
       </p:sp>
@@ -612,10 +683,9 @@
           </a:lstStyle>
           <a:p>
             <a:r>
-              <a:rPr lang="en-US" smtClean="0"/>
+              <a:rPr lang="en-US"/>
               <a:t>Click to edit Master subtitle style</a:t>
             </a:r>
-            <a:endParaRPr lang="en-US"/>
           </a:p>
         </p:txBody>
       </p:sp>
@@ -636,6 +706,7 @@
           <a:p>
             <a:fld id="{63A1C593-65D0-4073-BCC9-577B9352EA97}" type="datetimeFigureOut">
               <a:rPr lang="en-US" smtClean="0"/>
+              <a:t>10/6/2024</a:t>
             </a:fld>
             <a:endParaRPr lang="en-US"/>
           </a:p>
@@ -677,6 +748,7 @@
           <a:p>
             <a:fld id="{9B618960-8005-486C-9A75-10CB2AAC16F9}" type="slidenum">
               <a:rPr lang="en-US" smtClean="0"/>
+              <a:t>‹#›</a:t>
             </a:fld>
             <a:endParaRPr lang="en-US"/>
           </a:p>
@@ -723,10 +795,9 @@
           <a:lstStyle/>
           <a:p>
             <a:r>
-              <a:rPr lang="en-US" smtClean="0"/>
+              <a:rPr lang="en-US"/>
               <a:t>Click to edit Master title style</a:t>
             </a:r>
-            <a:endParaRPr lang="en-US"/>
           </a:p>
         </p:txBody>
       </p:sp>
@@ -747,42 +818,37 @@
           <a:p>
             <a:pPr lvl="0"/>
             <a:r>
-              <a:rPr lang="en-US" smtClean="0"/>
+              <a:rPr lang="en-US"/>
               <a:t>Click to edit Master text styles</a:t>
             </a:r>
-            <a:endParaRPr lang="en-US" smtClean="0"/>
           </a:p>
           <a:p>
             <a:pPr lvl="1"/>
             <a:r>
-              <a:rPr lang="en-US" smtClean="0"/>
+              <a:rPr lang="en-US"/>
               <a:t>Second level</a:t>
             </a:r>
-            <a:endParaRPr lang="en-US" smtClean="0"/>
           </a:p>
           <a:p>
             <a:pPr lvl="2"/>
             <a:r>
-              <a:rPr lang="en-US" smtClean="0"/>
+              <a:rPr lang="en-US"/>
               <a:t>Third level</a:t>
             </a:r>
-            <a:endParaRPr lang="en-US" smtClean="0"/>
           </a:p>
           <a:p>
             <a:pPr lvl="3"/>
             <a:r>
-              <a:rPr lang="en-US" smtClean="0"/>
+              <a:rPr lang="en-US"/>
               <a:t>Fourth level</a:t>
             </a:r>
-            <a:endParaRPr lang="en-US" smtClean="0"/>
           </a:p>
           <a:p>
             <a:pPr lvl="4"/>
             <a:r>
-              <a:rPr lang="en-US" smtClean="0"/>
+              <a:rPr lang="en-US"/>
               <a:t>Fifth level</a:t>
             </a:r>
-            <a:endParaRPr lang="en-US"/>
           </a:p>
         </p:txBody>
       </p:sp>
@@ -803,6 +869,7 @@
           <a:p>
             <a:fld id="{63A1C593-65D0-4073-BCC9-577B9352EA97}" type="datetimeFigureOut">
               <a:rPr lang="en-US" smtClean="0"/>
+              <a:t>10/6/2024</a:t>
             </a:fld>
             <a:endParaRPr lang="en-US"/>
           </a:p>
@@ -844,6 +911,7 @@
           <a:p>
             <a:fld id="{9B618960-8005-486C-9A75-10CB2AAC16F9}" type="slidenum">
               <a:rPr lang="en-US" smtClean="0"/>
+              <a:t>‹#›</a:t>
             </a:fld>
             <a:endParaRPr lang="en-US"/>
           </a:p>
@@ -895,10 +963,9 @@
           <a:lstStyle/>
           <a:p>
             <a:r>
-              <a:rPr lang="en-US" smtClean="0"/>
+              <a:rPr lang="en-US"/>
               <a:t>Click to edit Master title style</a:t>
             </a:r>
-            <a:endParaRPr lang="en-US"/>
           </a:p>
         </p:txBody>
       </p:sp>
@@ -924,42 +991,37 @@
           <a:p>
             <a:pPr lvl="0"/>
             <a:r>
-              <a:rPr lang="en-US" smtClean="0"/>
+              <a:rPr lang="en-US"/>
               <a:t>Click to edit Master text styles</a:t>
             </a:r>
-            <a:endParaRPr lang="en-US" smtClean="0"/>
           </a:p>
           <a:p>
             <a:pPr lvl="1"/>
             <a:r>
-              <a:rPr lang="en-US" smtClean="0"/>
+              <a:rPr lang="en-US"/>
               <a:t>Second level</a:t>
             </a:r>
-            <a:endParaRPr lang="en-US" smtClean="0"/>
           </a:p>
           <a:p>
             <a:pPr lvl="2"/>
             <a:r>
-              <a:rPr lang="en-US" smtClean="0"/>
+              <a:rPr lang="en-US"/>
               <a:t>Third level</a:t>
             </a:r>
-            <a:endParaRPr lang="en-US" smtClean="0"/>
           </a:p>
           <a:p>
             <a:pPr lvl="3"/>
             <a:r>
-              <a:rPr lang="en-US" smtClean="0"/>
+              <a:rPr lang="en-US"/>
               <a:t>Fourth level</a:t>
             </a:r>
-            <a:endParaRPr lang="en-US" smtClean="0"/>
           </a:p>
           <a:p>
             <a:pPr lvl="4"/>
             <a:r>
-              <a:rPr lang="en-US" smtClean="0"/>
+              <a:rPr lang="en-US"/>
               <a:t>Fifth level</a:t>
             </a:r>
-            <a:endParaRPr lang="en-US"/>
           </a:p>
         </p:txBody>
       </p:sp>
@@ -980,6 +1042,7 @@
           <a:p>
             <a:fld id="{63A1C593-65D0-4073-BCC9-577B9352EA97}" type="datetimeFigureOut">
               <a:rPr lang="en-US" smtClean="0"/>
+              <a:t>10/6/2024</a:t>
             </a:fld>
             <a:endParaRPr lang="en-US"/>
           </a:p>
@@ -1021,6 +1084,7 @@
           <a:p>
             <a:fld id="{9B618960-8005-486C-9A75-10CB2AAC16F9}" type="slidenum">
               <a:rPr lang="en-US" smtClean="0"/>
+              <a:t>‹#›</a:t>
             </a:fld>
             <a:endParaRPr lang="en-US"/>
           </a:p>
@@ -1067,10 +1131,9 @@
           <a:lstStyle/>
           <a:p>
             <a:r>
-              <a:rPr lang="en-US" smtClean="0"/>
+              <a:rPr lang="en-US"/>
               <a:t>Click to edit Master title style</a:t>
             </a:r>
-            <a:endParaRPr lang="en-US"/>
           </a:p>
         </p:txBody>
       </p:sp>
@@ -1091,42 +1154,37 @@
           <a:p>
             <a:pPr lvl="0"/>
             <a:r>
-              <a:rPr lang="en-US" smtClean="0"/>
+              <a:rPr lang="en-US"/>
               <a:t>Click to edit Master text styles</a:t>
             </a:r>
-            <a:endParaRPr lang="en-US" smtClean="0"/>
           </a:p>
           <a:p>
             <a:pPr lvl="1"/>
             <a:r>
-              <a:rPr lang="en-US" smtClean="0"/>
+              <a:rPr lang="en-US"/>
               <a:t>Second level</a:t>
             </a:r>
-            <a:endParaRPr lang="en-US" smtClean="0"/>
           </a:p>
           <a:p>
             <a:pPr lvl="2"/>
             <a:r>
-              <a:rPr lang="en-US" smtClean="0"/>
+              <a:rPr lang="en-US"/>
               <a:t>Third level</a:t>
             </a:r>
-            <a:endParaRPr lang="en-US" smtClean="0"/>
           </a:p>
           <a:p>
             <a:pPr lvl="3"/>
             <a:r>
-              <a:rPr lang="en-US" smtClean="0"/>
+              <a:rPr lang="en-US"/>
               <a:t>Fourth level</a:t>
             </a:r>
-            <a:endParaRPr lang="en-US" smtClean="0"/>
           </a:p>
           <a:p>
             <a:pPr lvl="4"/>
             <a:r>
-              <a:rPr lang="en-US" smtClean="0"/>
+              <a:rPr lang="en-US"/>
               <a:t>Fifth level</a:t>
             </a:r>
-            <a:endParaRPr lang="en-US"/>
           </a:p>
         </p:txBody>
       </p:sp>
@@ -1147,6 +1205,7 @@
           <a:p>
             <a:fld id="{63A1C593-65D0-4073-BCC9-577B9352EA97}" type="datetimeFigureOut">
               <a:rPr lang="en-US" smtClean="0"/>
+              <a:t>10/6/2024</a:t>
             </a:fld>
             <a:endParaRPr lang="en-US"/>
           </a:p>
@@ -1188,6 +1247,7 @@
           <a:p>
             <a:fld id="{9B618960-8005-486C-9A75-10CB2AAC16F9}" type="slidenum">
               <a:rPr lang="en-US" smtClean="0"/>
+              <a:t>‹#›</a:t>
             </a:fld>
             <a:endParaRPr lang="en-US"/>
           </a:p>
@@ -1243,10 +1303,9 @@
           </a:lstStyle>
           <a:p>
             <a:r>
-              <a:rPr lang="en-US" smtClean="0"/>
+              <a:rPr lang="en-US"/>
               <a:t>Click to edit Master title style</a:t>
             </a:r>
-            <a:endParaRPr lang="en-US"/>
           </a:p>
         </p:txBody>
       </p:sp>
@@ -1363,10 +1422,9 @@
           <a:p>
             <a:pPr lvl="0"/>
             <a:r>
-              <a:rPr lang="en-US" smtClean="0"/>
+              <a:rPr lang="en-US"/>
               <a:t>Click to edit Master text styles</a:t>
             </a:r>
-            <a:endParaRPr lang="en-US" smtClean="0"/>
           </a:p>
         </p:txBody>
       </p:sp>
@@ -1387,6 +1445,7 @@
           <a:p>
             <a:fld id="{63A1C593-65D0-4073-BCC9-577B9352EA97}" type="datetimeFigureOut">
               <a:rPr lang="en-US" smtClean="0"/>
+              <a:t>10/6/2024</a:t>
             </a:fld>
             <a:endParaRPr lang="en-US"/>
           </a:p>
@@ -1428,6 +1487,7 @@
           <a:p>
             <a:fld id="{9B618960-8005-486C-9A75-10CB2AAC16F9}" type="slidenum">
               <a:rPr lang="en-US" smtClean="0"/>
+              <a:t>‹#›</a:t>
             </a:fld>
             <a:endParaRPr lang="en-US"/>
           </a:p>
@@ -1474,10 +1534,9 @@
           <a:lstStyle/>
           <a:p>
             <a:r>
-              <a:rPr lang="en-US" smtClean="0"/>
+              <a:rPr lang="en-US"/>
               <a:t>Click to edit Master title style</a:t>
             </a:r>
-            <a:endParaRPr lang="en-US"/>
           </a:p>
         </p:txBody>
       </p:sp>
@@ -1503,42 +1562,37 @@
           <a:p>
             <a:pPr lvl="0"/>
             <a:r>
-              <a:rPr lang="en-US" smtClean="0"/>
+              <a:rPr lang="en-US"/>
               <a:t>Click to edit Master text styles</a:t>
             </a:r>
-            <a:endParaRPr lang="en-US" smtClean="0"/>
           </a:p>
           <a:p>
             <a:pPr lvl="1"/>
             <a:r>
-              <a:rPr lang="en-US" smtClean="0"/>
+              <a:rPr lang="en-US"/>
               <a:t>Second level</a:t>
             </a:r>
-            <a:endParaRPr lang="en-US" smtClean="0"/>
           </a:p>
           <a:p>
             <a:pPr lvl="2"/>
             <a:r>
-              <a:rPr lang="en-US" smtClean="0"/>
+              <a:rPr lang="en-US"/>
               <a:t>Third level</a:t>
             </a:r>
-            <a:endParaRPr lang="en-US" smtClean="0"/>
           </a:p>
           <a:p>
             <a:pPr lvl="3"/>
             <a:r>
-              <a:rPr lang="en-US" smtClean="0"/>
+              <a:rPr lang="en-US"/>
               <a:t>Fourth level</a:t>
             </a:r>
-            <a:endParaRPr lang="en-US" smtClean="0"/>
           </a:p>
           <a:p>
             <a:pPr lvl="4"/>
             <a:r>
-              <a:rPr lang="en-US" smtClean="0"/>
+              <a:rPr lang="en-US"/>
               <a:t>Fifth level</a:t>
             </a:r>
-            <a:endParaRPr lang="en-US"/>
           </a:p>
         </p:txBody>
       </p:sp>
@@ -1564,42 +1618,37 @@
           <a:p>
             <a:pPr lvl="0"/>
             <a:r>
-              <a:rPr lang="en-US" smtClean="0"/>
+              <a:rPr lang="en-US"/>
               <a:t>Click to edit Master text styles</a:t>
             </a:r>
-            <a:endParaRPr lang="en-US" smtClean="0"/>
           </a:p>
           <a:p>
             <a:pPr lvl="1"/>
             <a:r>
-              <a:rPr lang="en-US" smtClean="0"/>
+              <a:rPr lang="en-US"/>
               <a:t>Second level</a:t>
             </a:r>
-            <a:endParaRPr lang="en-US" smtClean="0"/>
           </a:p>
           <a:p>
             <a:pPr lvl="2"/>
             <a:r>
-              <a:rPr lang="en-US" smtClean="0"/>
+              <a:rPr lang="en-US"/>
               <a:t>Third level</a:t>
             </a:r>
-            <a:endParaRPr lang="en-US" smtClean="0"/>
           </a:p>
           <a:p>
             <a:pPr lvl="3"/>
             <a:r>
-              <a:rPr lang="en-US" smtClean="0"/>
+              <a:rPr lang="en-US"/>
               <a:t>Fourth level</a:t>
             </a:r>
-            <a:endParaRPr lang="en-US" smtClean="0"/>
           </a:p>
           <a:p>
             <a:pPr lvl="4"/>
             <a:r>
-              <a:rPr lang="en-US" smtClean="0"/>
+              <a:rPr lang="en-US"/>
               <a:t>Fifth level</a:t>
             </a:r>
-            <a:endParaRPr lang="en-US"/>
           </a:p>
         </p:txBody>
       </p:sp>
@@ -1620,6 +1669,7 @@
           <a:p>
             <a:fld id="{63A1C593-65D0-4073-BCC9-577B9352EA97}" type="datetimeFigureOut">
               <a:rPr lang="en-US" smtClean="0"/>
+              <a:t>10/6/2024</a:t>
             </a:fld>
             <a:endParaRPr lang="en-US"/>
           </a:p>
@@ -1661,6 +1711,7 @@
           <a:p>
             <a:fld id="{9B618960-8005-486C-9A75-10CB2AAC16F9}" type="slidenum">
               <a:rPr lang="en-US" smtClean="0"/>
+              <a:t>‹#›</a:t>
             </a:fld>
             <a:endParaRPr lang="en-US"/>
           </a:p>
@@ -1712,10 +1763,9 @@
           <a:lstStyle/>
           <a:p>
             <a:r>
-              <a:rPr lang="en-US" smtClean="0"/>
+              <a:rPr lang="en-US"/>
               <a:t>Click to edit Master title style</a:t>
             </a:r>
-            <a:endParaRPr lang="en-US"/>
           </a:p>
         </p:txBody>
       </p:sp>
@@ -1778,10 +1828,9 @@
           <a:p>
             <a:pPr lvl="0"/>
             <a:r>
-              <a:rPr lang="en-US" smtClean="0"/>
+              <a:rPr lang="en-US"/>
               <a:t>Click to edit Master text styles</a:t>
             </a:r>
-            <a:endParaRPr lang="en-US" smtClean="0"/>
           </a:p>
         </p:txBody>
       </p:sp>
@@ -1807,42 +1856,37 @@
           <a:p>
             <a:pPr lvl="0"/>
             <a:r>
-              <a:rPr lang="en-US" smtClean="0"/>
+              <a:rPr lang="en-US"/>
               <a:t>Click to edit Master text styles</a:t>
             </a:r>
-            <a:endParaRPr lang="en-US" smtClean="0"/>
           </a:p>
           <a:p>
             <a:pPr lvl="1"/>
             <a:r>
-              <a:rPr lang="en-US" smtClean="0"/>
+              <a:rPr lang="en-US"/>
               <a:t>Second level</a:t>
             </a:r>
-            <a:endParaRPr lang="en-US" smtClean="0"/>
           </a:p>
           <a:p>
             <a:pPr lvl="2"/>
             <a:r>
-              <a:rPr lang="en-US" smtClean="0"/>
+              <a:rPr lang="en-US"/>
               <a:t>Third level</a:t>
             </a:r>
-            <a:endParaRPr lang="en-US" smtClean="0"/>
           </a:p>
           <a:p>
             <a:pPr lvl="3"/>
             <a:r>
-              <a:rPr lang="en-US" smtClean="0"/>
+              <a:rPr lang="en-US"/>
               <a:t>Fourth level</a:t>
             </a:r>
-            <a:endParaRPr lang="en-US" smtClean="0"/>
           </a:p>
           <a:p>
             <a:pPr lvl="4"/>
             <a:r>
-              <a:rPr lang="en-US" smtClean="0"/>
+              <a:rPr lang="en-US"/>
               <a:t>Fifth level</a:t>
             </a:r>
-            <a:endParaRPr lang="en-US"/>
           </a:p>
         </p:txBody>
       </p:sp>
@@ -1905,10 +1949,9 @@
           <a:p>
             <a:pPr lvl="0"/>
             <a:r>
-              <a:rPr lang="en-US" smtClean="0"/>
+              <a:rPr lang="en-US"/>
               <a:t>Click to edit Master text styles</a:t>
             </a:r>
-            <a:endParaRPr lang="en-US" smtClean="0"/>
           </a:p>
         </p:txBody>
       </p:sp>
@@ -1934,42 +1977,37 @@
           <a:p>
             <a:pPr lvl="0"/>
             <a:r>
-              <a:rPr lang="en-US" smtClean="0"/>
+              <a:rPr lang="en-US"/>
               <a:t>Click to edit Master text styles</a:t>
             </a:r>
-            <a:endParaRPr lang="en-US" smtClean="0"/>
           </a:p>
           <a:p>
             <a:pPr lvl="1"/>
             <a:r>
-              <a:rPr lang="en-US" smtClean="0"/>
+              <a:rPr lang="en-US"/>
               <a:t>Second level</a:t>
             </a:r>
-            <a:endParaRPr lang="en-US" smtClean="0"/>
           </a:p>
           <a:p>
             <a:pPr lvl="2"/>
             <a:r>
-              <a:rPr lang="en-US" smtClean="0"/>
+              <a:rPr lang="en-US"/>
               <a:t>Third level</a:t>
             </a:r>
-            <a:endParaRPr lang="en-US" smtClean="0"/>
           </a:p>
           <a:p>
             <a:pPr lvl="3"/>
             <a:r>
-              <a:rPr lang="en-US" smtClean="0"/>
+              <a:rPr lang="en-US"/>
               <a:t>Fourth level</a:t>
             </a:r>
-            <a:endParaRPr lang="en-US" smtClean="0"/>
           </a:p>
           <a:p>
             <a:pPr lvl="4"/>
             <a:r>
-              <a:rPr lang="en-US" smtClean="0"/>
+              <a:rPr lang="en-US"/>
               <a:t>Fifth level</a:t>
             </a:r>
-            <a:endParaRPr lang="en-US"/>
           </a:p>
         </p:txBody>
       </p:sp>
@@ -1990,6 +2028,7 @@
           <a:p>
             <a:fld id="{63A1C593-65D0-4073-BCC9-577B9352EA97}" type="datetimeFigureOut">
               <a:rPr lang="en-US" smtClean="0"/>
+              <a:t>10/6/2024</a:t>
             </a:fld>
             <a:endParaRPr lang="en-US"/>
           </a:p>
@@ -2031,6 +2070,7 @@
           <a:p>
             <a:fld id="{9B618960-8005-486C-9A75-10CB2AAC16F9}" type="slidenum">
               <a:rPr lang="en-US" smtClean="0"/>
+              <a:t>‹#›</a:t>
             </a:fld>
             <a:endParaRPr lang="en-US"/>
           </a:p>
@@ -2077,10 +2117,9 @@
           <a:lstStyle/>
           <a:p>
             <a:r>
-              <a:rPr lang="en-US" smtClean="0"/>
+              <a:rPr lang="en-US"/>
               <a:t>Click to edit Master title style</a:t>
             </a:r>
-            <a:endParaRPr lang="en-US"/>
           </a:p>
         </p:txBody>
       </p:sp>
@@ -2101,6 +2140,7 @@
           <a:p>
             <a:fld id="{63A1C593-65D0-4073-BCC9-577B9352EA97}" type="datetimeFigureOut">
               <a:rPr lang="en-US" smtClean="0"/>
+              <a:t>10/6/2024</a:t>
             </a:fld>
             <a:endParaRPr lang="en-US"/>
           </a:p>
@@ -2142,6 +2182,7 @@
           <a:p>
             <a:fld id="{9B618960-8005-486C-9A75-10CB2AAC16F9}" type="slidenum">
               <a:rPr lang="en-US" smtClean="0"/>
+              <a:t>‹#›</a:t>
             </a:fld>
             <a:endParaRPr lang="en-US"/>
           </a:p>
@@ -2189,6 +2230,7 @@
           <a:p>
             <a:fld id="{63A1C593-65D0-4073-BCC9-577B9352EA97}" type="datetimeFigureOut">
               <a:rPr lang="en-US" smtClean="0"/>
+              <a:t>10/6/2024</a:t>
             </a:fld>
             <a:endParaRPr lang="en-US"/>
           </a:p>
@@ -2230,6 +2272,7 @@
           <a:p>
             <a:fld id="{9B618960-8005-486C-9A75-10CB2AAC16F9}" type="slidenum">
               <a:rPr lang="en-US" smtClean="0"/>
+              <a:t>‹#›</a:t>
             </a:fld>
             <a:endParaRPr lang="en-US"/>
           </a:p>
@@ -2285,10 +2328,9 @@
           </a:lstStyle>
           <a:p>
             <a:r>
-              <a:rPr lang="en-US" smtClean="0"/>
+              <a:rPr lang="en-US"/>
               <a:t>Click to edit Master title style</a:t>
             </a:r>
-            <a:endParaRPr lang="en-US"/>
           </a:p>
         </p:txBody>
       </p:sp>
@@ -2342,42 +2384,37 @@
           <a:p>
             <a:pPr lvl="0"/>
             <a:r>
-              <a:rPr lang="en-US" smtClean="0"/>
+              <a:rPr lang="en-US"/>
               <a:t>Click to edit Master text styles</a:t>
             </a:r>
-            <a:endParaRPr lang="en-US" smtClean="0"/>
           </a:p>
           <a:p>
             <a:pPr lvl="1"/>
             <a:r>
-              <a:rPr lang="en-US" smtClean="0"/>
+              <a:rPr lang="en-US"/>
               <a:t>Second level</a:t>
             </a:r>
-            <a:endParaRPr lang="en-US" smtClean="0"/>
           </a:p>
           <a:p>
             <a:pPr lvl="2"/>
             <a:r>
-              <a:rPr lang="en-US" smtClean="0"/>
+              <a:rPr lang="en-US"/>
               <a:t>Third level</a:t>
             </a:r>
-            <a:endParaRPr lang="en-US" smtClean="0"/>
           </a:p>
           <a:p>
             <a:pPr lvl="3"/>
             <a:r>
-              <a:rPr lang="en-US" smtClean="0"/>
+              <a:rPr lang="en-US"/>
               <a:t>Fourth level</a:t>
             </a:r>
-            <a:endParaRPr lang="en-US" smtClean="0"/>
           </a:p>
           <a:p>
             <a:pPr lvl="4"/>
             <a:r>
-              <a:rPr lang="en-US" smtClean="0"/>
+              <a:rPr lang="en-US"/>
               <a:t>Fifth level</a:t>
             </a:r>
-            <a:endParaRPr lang="en-US"/>
           </a:p>
         </p:txBody>
       </p:sp>
@@ -2440,10 +2477,9 @@
           <a:p>
             <a:pPr lvl="0"/>
             <a:r>
-              <a:rPr lang="en-US" smtClean="0"/>
+              <a:rPr lang="en-US"/>
               <a:t>Click to edit Master text styles</a:t>
             </a:r>
-            <a:endParaRPr lang="en-US" smtClean="0"/>
           </a:p>
         </p:txBody>
       </p:sp>
@@ -2464,6 +2500,7 @@
           <a:p>
             <a:fld id="{63A1C593-65D0-4073-BCC9-577B9352EA97}" type="datetimeFigureOut">
               <a:rPr lang="en-US" smtClean="0"/>
+              <a:t>10/6/2024</a:t>
             </a:fld>
             <a:endParaRPr lang="en-US"/>
           </a:p>
@@ -2505,6 +2542,7 @@
           <a:p>
             <a:fld id="{9B618960-8005-486C-9A75-10CB2AAC16F9}" type="slidenum">
               <a:rPr lang="en-US" smtClean="0"/>
+              <a:t>‹#›</a:t>
             </a:fld>
             <a:endParaRPr lang="en-US"/>
           </a:p>
@@ -2560,10 +2598,9 @@
           </a:lstStyle>
           <a:p>
             <a:r>
-              <a:rPr lang="en-US" smtClean="0"/>
+              <a:rPr lang="en-US"/>
               <a:t>Click to edit Master title style</a:t>
             </a:r>
-            <a:endParaRPr lang="en-US"/>
           </a:p>
         </p:txBody>
       </p:sp>
@@ -2687,10 +2724,9 @@
           <a:p>
             <a:pPr lvl="0"/>
             <a:r>
-              <a:rPr lang="en-US" smtClean="0"/>
+              <a:rPr lang="en-US"/>
               <a:t>Click to edit Master text styles</a:t>
             </a:r>
-            <a:endParaRPr lang="en-US" smtClean="0"/>
           </a:p>
         </p:txBody>
       </p:sp>
@@ -2711,6 +2747,7 @@
           <a:p>
             <a:fld id="{63A1C593-65D0-4073-BCC9-577B9352EA97}" type="datetimeFigureOut">
               <a:rPr lang="en-US" smtClean="0"/>
+              <a:t>10/6/2024</a:t>
             </a:fld>
             <a:endParaRPr lang="en-US"/>
           </a:p>
@@ -2752,6 +2789,7 @@
           <a:p>
             <a:fld id="{9B618960-8005-486C-9A75-10CB2AAC16F9}" type="slidenum">
               <a:rPr lang="en-US" smtClean="0"/>
+              <a:t>‹#›</a:t>
             </a:fld>
             <a:endParaRPr lang="en-US"/>
           </a:p>
@@ -2769,9 +2807,15 @@
 <p:sldMaster xmlns:a="http://schemas.openxmlformats.org/drawingml/2006/main" xmlns:r="http://schemas.openxmlformats.org/officeDocument/2006/relationships" xmlns:p="http://schemas.openxmlformats.org/presentationml/2006/main">
   <p:cSld>
     <p:bg>
-      <p:bgRef idx="1001">
-        <a:schemeClr val="bg1"/>
-      </p:bgRef>
+      <p:bgPr>
+        <a:solidFill>
+          <a:schemeClr val="tx1">
+            <a:lumMod val="75000"/>
+            <a:lumOff val="25000"/>
+          </a:schemeClr>
+        </a:solidFill>
+        <a:effectLst/>
+      </p:bgPr>
     </p:bg>
     <p:spTree>
       <p:nvGrpSpPr>
@@ -2813,10 +2857,9 @@
           <a:lstStyle/>
           <a:p>
             <a:r>
-              <a:rPr lang="en-US" smtClean="0"/>
+              <a:rPr lang="en-US"/>
               <a:t>Click to edit Master title style</a:t>
             </a:r>
-            <a:endParaRPr lang="en-US"/>
           </a:p>
         </p:txBody>
       </p:sp>
@@ -2847,42 +2890,37 @@
           <a:p>
             <a:pPr lvl="0"/>
             <a:r>
-              <a:rPr lang="en-US" smtClean="0"/>
+              <a:rPr lang="en-US"/>
               <a:t>Click to edit Master text styles</a:t>
             </a:r>
-            <a:endParaRPr lang="en-US" smtClean="0"/>
           </a:p>
           <a:p>
             <a:pPr lvl="1"/>
             <a:r>
-              <a:rPr lang="en-US" smtClean="0"/>
+              <a:rPr lang="en-US"/>
               <a:t>Second level</a:t>
             </a:r>
-            <a:endParaRPr lang="en-US" smtClean="0"/>
           </a:p>
           <a:p>
             <a:pPr lvl="2"/>
             <a:r>
-              <a:rPr lang="en-US" smtClean="0"/>
+              <a:rPr lang="en-US"/>
               <a:t>Third level</a:t>
             </a:r>
-            <a:endParaRPr lang="en-US" smtClean="0"/>
           </a:p>
           <a:p>
             <a:pPr lvl="3"/>
             <a:r>
-              <a:rPr lang="en-US" smtClean="0"/>
+              <a:rPr lang="en-US"/>
               <a:t>Fourth level</a:t>
             </a:r>
-            <a:endParaRPr lang="en-US" smtClean="0"/>
           </a:p>
           <a:p>
             <a:pPr lvl="4"/>
             <a:r>
-              <a:rPr lang="en-US" smtClean="0"/>
+              <a:rPr lang="en-US"/>
               <a:t>Fifth level</a:t>
             </a:r>
-            <a:endParaRPr lang="en-US"/>
           </a:p>
         </p:txBody>
       </p:sp>
@@ -2921,6 +2959,7 @@
           <a:p>
             <a:fld id="{63A1C593-65D0-4073-BCC9-577B9352EA97}" type="datetimeFigureOut">
               <a:rPr lang="en-US" smtClean="0"/>
+              <a:t>10/6/2024</a:t>
             </a:fld>
             <a:endParaRPr lang="en-US"/>
           </a:p>
@@ -2998,6 +3037,7 @@
           <a:p>
             <a:fld id="{9B618960-8005-486C-9A75-10CB2AAC16F9}" type="slidenum">
               <a:rPr lang="en-US" smtClean="0"/>
+              <a:t>‹#›</a:t>
             </a:fld>
             <a:endParaRPr lang="en-US"/>
           </a:p>
@@ -3311,7 +3351,14 @@
         <p:cNvGrpSpPr/>
         <p:nvPr/>
       </p:nvGrpSpPr>
-      <p:grpSpPr/>
+      <p:grpSpPr>
+        <a:xfrm>
+          <a:off x="0" y="0"/>
+          <a:ext cx="0" cy="0"/>
+          <a:chOff x="0" y="0"/>
+          <a:chExt cx="0" cy="0"/>
+        </a:xfrm>
+      </p:grpSpPr>
       <p:grpSp>
         <p:nvGrpSpPr>
           <p:cNvPr id="21" name="Group 20"/>
@@ -3368,9 +3415,22 @@
                 <a:prstGeom prst="rect">
                   <a:avLst/>
                 </a:prstGeom>
-                <a:solidFill>
-                  <a:schemeClr val="bg1"/>
-                </a:solidFill>
+                <a:gradFill>
+                  <a:gsLst>
+                    <a:gs pos="0">
+                      <a:schemeClr val="bg1"/>
+                    </a:gs>
+                    <a:gs pos="54100">
+                      <a:schemeClr val="bg1"/>
+                    </a:gs>
+                    <a:gs pos="100000">
+                      <a:schemeClr val="bg1">
+                        <a:lumMod val="75000"/>
+                      </a:schemeClr>
+                    </a:gs>
+                  </a:gsLst>
+                  <a:lin ang="5400000" scaled="1"/>
+                </a:gradFill>
                 <a:ln>
                   <a:noFill/>
                 </a:ln>
@@ -3393,9 +3453,10 @@
               </p:style>
               <p:txBody>
                 <a:bodyPr rtlCol="0" anchor="ctr"/>
+                <a:lstStyle/>
                 <a:p>
                   <a:pPr algn="ctr"/>
-                  <a:endParaRPr lang="en-US"/>
+                  <a:endParaRPr lang="en-US" dirty="0"/>
                 </a:p>
               </p:txBody>
             </p:sp>
@@ -3497,6 +3558,7 @@
               </p:style>
               <p:txBody>
                 <a:bodyPr rtlCol="0" anchor="ctr"/>
+                <a:lstStyle/>
                 <a:p>
                   <a:pPr algn="ctr"/>
                   <a:endParaRPr lang="en-US"/>
@@ -3612,6 +3674,7 @@
             </p:style>
             <p:txBody>
               <a:bodyPr rtlCol="0" anchor="ctr"/>
+              <a:lstStyle/>
               <a:p>
                 <a:pPr algn="ctr"/>
                 <a:endParaRPr lang="en-US"/>
@@ -3628,7 +3691,7 @@
             <p:nvPr/>
           </p:nvPicPr>
           <p:blipFill>
-            <a:blip r:embed="rId1"/>
+            <a:blip r:embed="rId3"/>
             <a:stretch>
               <a:fillRect/>
             </a:stretch>
@@ -3665,7 +3728,7 @@
             <p:nvPr/>
           </p:nvGrpSpPr>
           <p:grpSpPr>
-            <a:xfrm rot="0">
+            <a:xfrm>
               <a:off x="2231" y="150"/>
               <a:ext cx="5550" cy="10500"/>
               <a:chOff x="934" y="150"/>
@@ -3700,9 +3763,23 @@
                 <a:prstGeom prst="rect">
                   <a:avLst/>
                 </a:prstGeom>
-                <a:solidFill>
-                  <a:schemeClr val="bg1"/>
-                </a:solidFill>
+                <a:gradFill flip="none" rotWithShape="1">
+                  <a:gsLst>
+                    <a:gs pos="0">
+                      <a:schemeClr val="bg1"/>
+                    </a:gs>
+                    <a:gs pos="54100">
+                      <a:schemeClr val="bg1"/>
+                    </a:gs>
+                    <a:gs pos="100000">
+                      <a:schemeClr val="bg1">
+                        <a:lumMod val="75000"/>
+                      </a:schemeClr>
+                    </a:gs>
+                  </a:gsLst>
+                  <a:lin ang="5400000" scaled="1"/>
+                  <a:tileRect/>
+                </a:gradFill>
                 <a:ln>
                   <a:noFill/>
                 </a:ln>
@@ -3725,6 +3802,7 @@
               </p:style>
               <p:txBody>
                 <a:bodyPr rtlCol="0" anchor="ctr"/>
+                <a:lstStyle/>
                 <a:p>
                   <a:pPr algn="ctr"/>
                   <a:endParaRPr lang="en-US"/>
@@ -3829,6 +3907,7 @@
               </p:style>
               <p:txBody>
                 <a:bodyPr rtlCol="0" anchor="ctr"/>
+                <a:lstStyle/>
                 <a:p>
                   <a:pPr algn="ctr"/>
                   <a:endParaRPr lang="en-US"/>
@@ -3944,6 +4023,7 @@
             </p:style>
             <p:txBody>
               <a:bodyPr rtlCol="0" anchor="ctr"/>
+              <a:lstStyle/>
               <a:p>
                 <a:pPr algn="ctr"/>
                 <a:endParaRPr lang="en-US"/>
@@ -3960,7 +4040,7 @@
             <p:nvPr/>
           </p:nvPicPr>
           <p:blipFill>
-            <a:blip r:embed="rId1"/>
+            <a:blip r:embed="rId3"/>
             <a:stretch>
               <a:fillRect/>
             </a:stretch>
@@ -3976,7 +4056,739 @@
           </p:spPr>
         </p:pic>
       </p:grpSp>
+      <p:grpSp>
+        <p:nvGrpSpPr>
+          <p:cNvPr id="5" name="Group 4">
+            <a:extLst>
+              <a:ext uri="{FF2B5EF4-FFF2-40B4-BE49-F238E27FC236}">
+                <a16:creationId xmlns:a16="http://schemas.microsoft.com/office/drawing/2014/main" id="{F02E51A6-DB4F-2CDE-A3A5-F2E92E6F9171}"/>
+              </a:ext>
+            </a:extLst>
+          </p:cNvPr>
+          <p:cNvGrpSpPr/>
+          <p:nvPr/>
+        </p:nvGrpSpPr>
+        <p:grpSpPr>
+          <a:xfrm>
+            <a:off x="8610600" y="95250"/>
+            <a:ext cx="3524250" cy="6667500"/>
+            <a:chOff x="934" y="150"/>
+            <a:chExt cx="5550" cy="10500"/>
+          </a:xfrm>
+        </p:grpSpPr>
+        <p:sp>
+          <p:nvSpPr>
+            <p:cNvPr id="11" name="Rectangles 3">
+              <a:extLst>
+                <a:ext uri="{FF2B5EF4-FFF2-40B4-BE49-F238E27FC236}">
+                  <a16:creationId xmlns:a16="http://schemas.microsoft.com/office/drawing/2014/main" id="{9FB4E9CC-CB6D-B3B7-8A2F-4E0628A66CBD}"/>
+                </a:ext>
+              </a:extLst>
+            </p:cNvPr>
+            <p:cNvSpPr/>
+            <p:nvPr/>
+          </p:nvSpPr>
+          <p:spPr>
+            <a:xfrm>
+              <a:off x="934" y="150"/>
+              <a:ext cx="5550" cy="10500"/>
+            </a:xfrm>
+            <a:prstGeom prst="rect">
+              <a:avLst/>
+            </a:prstGeom>
+            <a:gradFill flip="none" rotWithShape="1">
+              <a:gsLst>
+                <a:gs pos="0">
+                  <a:schemeClr val="bg1"/>
+                </a:gs>
+                <a:gs pos="54100">
+                  <a:schemeClr val="bg1"/>
+                </a:gs>
+                <a:gs pos="100000">
+                  <a:schemeClr val="bg1">
+                    <a:lumMod val="75000"/>
+                  </a:schemeClr>
+                </a:gs>
+              </a:gsLst>
+              <a:lin ang="5400000" scaled="1"/>
+              <a:tileRect/>
+            </a:gradFill>
+            <a:ln>
+              <a:noFill/>
+            </a:ln>
+          </p:spPr>
+          <p:style>
+            <a:lnRef idx="2">
+              <a:schemeClr val="accent1">
+                <a:lumMod val="75000"/>
+              </a:schemeClr>
+            </a:lnRef>
+            <a:fillRef idx="1">
+              <a:schemeClr val="accent1"/>
+            </a:fillRef>
+            <a:effectRef idx="0">
+              <a:srgbClr val="FFFFFF"/>
+            </a:effectRef>
+            <a:fontRef idx="minor">
+              <a:schemeClr val="lt1"/>
+            </a:fontRef>
+          </p:style>
+          <p:txBody>
+            <a:bodyPr rtlCol="0" anchor="ctr"/>
+            <a:lstStyle/>
+            <a:p>
+              <a:pPr algn="ctr"/>
+              <a:endParaRPr lang="en-US"/>
+            </a:p>
+          </p:txBody>
+        </p:sp>
+        <p:sp>
+          <p:nvSpPr>
+            <p:cNvPr id="8" name="Freeform 11">
+              <a:extLst>
+                <a:ext uri="{FF2B5EF4-FFF2-40B4-BE49-F238E27FC236}">
+                  <a16:creationId xmlns:a16="http://schemas.microsoft.com/office/drawing/2014/main" id="{C2BCA77E-DBBB-CBF7-C2F0-A618AC9139BC}"/>
+                </a:ext>
+              </a:extLst>
+            </p:cNvPr>
+            <p:cNvSpPr/>
+            <p:nvPr/>
+          </p:nvSpPr>
+          <p:spPr>
+            <a:xfrm flipV="1">
+              <a:off x="934" y="150"/>
+              <a:ext cx="5550" cy="4683"/>
+            </a:xfrm>
+            <a:custGeom>
+              <a:avLst/>
+              <a:gdLst>
+                <a:gd name="connsiteX0" fmla="*/ 0 w 5550"/>
+                <a:gd name="connsiteY0" fmla="*/ 2105 h 5529"/>
+                <a:gd name="connsiteX1" fmla="*/ 2766 w 5550"/>
+                <a:gd name="connsiteY1" fmla="*/ 0 h 5529"/>
+                <a:gd name="connsiteX2" fmla="*/ 5531 w 5550"/>
+                <a:gd name="connsiteY2" fmla="*/ 2105 h 5529"/>
+                <a:gd name="connsiteX3" fmla="*/ 5550 w 5550"/>
+                <a:gd name="connsiteY3" fmla="*/ 5529 h 5529"/>
+                <a:gd name="connsiteX4" fmla="*/ 0 w 5550"/>
+                <a:gd name="connsiteY4" fmla="*/ 5529 h 5529"/>
+                <a:gd name="connsiteX5" fmla="*/ 0 w 5550"/>
+                <a:gd name="connsiteY5" fmla="*/ 2105 h 5529"/>
+              </a:gdLst>
+              <a:ahLst/>
+              <a:cxnLst>
+                <a:cxn ang="0">
+                  <a:pos x="connsiteX0" y="connsiteY0"/>
+                </a:cxn>
+                <a:cxn ang="0">
+                  <a:pos x="connsiteX1" y="connsiteY1"/>
+                </a:cxn>
+                <a:cxn ang="0">
+                  <a:pos x="connsiteX2" y="connsiteY2"/>
+                </a:cxn>
+                <a:cxn ang="0">
+                  <a:pos x="connsiteX3" y="connsiteY3"/>
+                </a:cxn>
+                <a:cxn ang="0">
+                  <a:pos x="connsiteX4" y="connsiteY4"/>
+                </a:cxn>
+                <a:cxn ang="0">
+                  <a:pos x="connsiteX5" y="connsiteY5"/>
+                </a:cxn>
+              </a:cxnLst>
+              <a:rect l="l" t="t" r="r" b="b"/>
+              <a:pathLst>
+                <a:path w="5550" h="5529">
+                  <a:moveTo>
+                    <a:pt x="0" y="2105"/>
+                  </a:moveTo>
+                  <a:lnTo>
+                    <a:pt x="2766" y="0"/>
+                  </a:lnTo>
+                  <a:lnTo>
+                    <a:pt x="5531" y="2105"/>
+                  </a:lnTo>
+                  <a:lnTo>
+                    <a:pt x="5550" y="5529"/>
+                  </a:lnTo>
+                  <a:lnTo>
+                    <a:pt x="0" y="5529"/>
+                  </a:lnTo>
+                  <a:lnTo>
+                    <a:pt x="0" y="2105"/>
+                  </a:lnTo>
+                  <a:close/>
+                </a:path>
+              </a:pathLst>
+            </a:custGeom>
+            <a:gradFill>
+              <a:gsLst>
+                <a:gs pos="0">
+                  <a:srgbClr val="29AFC3">
+                    <a:alpha val="30000"/>
+                  </a:srgbClr>
+                </a:gs>
+                <a:gs pos="100000">
+                  <a:srgbClr val="C9EEF4"/>
+                </a:gs>
+              </a:gsLst>
+              <a:lin ang="5400000" scaled="0"/>
+            </a:gradFill>
+            <a:ln>
+              <a:solidFill>
+                <a:schemeClr val="tx1"/>
+              </a:solidFill>
+            </a:ln>
+          </p:spPr>
+          <p:style>
+            <a:lnRef idx="2">
+              <a:schemeClr val="accent1">
+                <a:lumMod val="75000"/>
+              </a:schemeClr>
+            </a:lnRef>
+            <a:fillRef idx="1">
+              <a:schemeClr val="accent1"/>
+            </a:fillRef>
+            <a:effectRef idx="0">
+              <a:srgbClr val="FFFFFF"/>
+            </a:effectRef>
+            <a:fontRef idx="minor">
+              <a:schemeClr val="lt1"/>
+            </a:fontRef>
+          </p:style>
+          <p:txBody>
+            <a:bodyPr rtlCol="0" anchor="ctr"/>
+            <a:lstStyle/>
+            <a:p>
+              <a:pPr algn="ctr"/>
+              <a:endParaRPr lang="en-US"/>
+            </a:p>
+          </p:txBody>
+        </p:sp>
+      </p:grpSp>
     </p:spTree>
+  </p:cSld>
+  <p:clrMapOvr>
+    <a:masterClrMapping/>
+  </p:clrMapOvr>
+</p:sld>
+</file>
+
+<file path=ppt/slides/slide2.xml><?xml version="1.0" encoding="utf-8"?>
+<p:sld xmlns:a="http://schemas.openxmlformats.org/drawingml/2006/main" xmlns:r="http://schemas.openxmlformats.org/officeDocument/2006/relationships" xmlns:p="http://schemas.openxmlformats.org/presentationml/2006/main">
+  <p:cSld>
+    <p:spTree>
+      <p:nvGrpSpPr>
+        <p:cNvPr id="1" name=""/>
+        <p:cNvGrpSpPr/>
+        <p:nvPr/>
+      </p:nvGrpSpPr>
+      <p:grpSpPr>
+        <a:xfrm>
+          <a:off x="0" y="0"/>
+          <a:ext cx="0" cy="0"/>
+          <a:chOff x="0" y="0"/>
+          <a:chExt cx="0" cy="0"/>
+        </a:xfrm>
+      </p:grpSpPr>
+      <p:grpSp>
+        <p:nvGrpSpPr>
+          <p:cNvPr id="25" name="Group 24"/>
+          <p:cNvGrpSpPr/>
+          <p:nvPr/>
+        </p:nvGrpSpPr>
+        <p:grpSpPr>
+          <a:xfrm>
+            <a:off x="1416685" y="95250"/>
+            <a:ext cx="3524250" cy="6667500"/>
+            <a:chOff x="2231" y="150"/>
+            <a:chExt cx="5550" cy="10500"/>
+          </a:xfrm>
+        </p:grpSpPr>
+        <p:grpSp>
+          <p:nvGrpSpPr>
+            <p:cNvPr id="13" name="Group 12"/>
+            <p:cNvGrpSpPr/>
+            <p:nvPr/>
+          </p:nvGrpSpPr>
+          <p:grpSpPr>
+            <a:xfrm>
+              <a:off x="2231" y="150"/>
+              <a:ext cx="5550" cy="10500"/>
+              <a:chOff x="934" y="150"/>
+              <a:chExt cx="5550" cy="10500"/>
+            </a:xfrm>
+          </p:grpSpPr>
+          <p:grpSp>
+            <p:nvGrpSpPr>
+              <p:cNvPr id="10" name="Group 9"/>
+              <p:cNvGrpSpPr/>
+              <p:nvPr/>
+            </p:nvGrpSpPr>
+            <p:grpSpPr>
+              <a:xfrm>
+                <a:off x="934" y="150"/>
+                <a:ext cx="5550" cy="10500"/>
+                <a:chOff x="934" y="150"/>
+                <a:chExt cx="5550" cy="10500"/>
+              </a:xfrm>
+            </p:grpSpPr>
+            <p:sp>
+              <p:nvSpPr>
+                <p:cNvPr id="4" name="Rectangles 3"/>
+                <p:cNvSpPr/>
+                <p:nvPr/>
+              </p:nvSpPr>
+              <p:spPr>
+                <a:xfrm>
+                  <a:off x="934" y="150"/>
+                  <a:ext cx="5550" cy="10500"/>
+                </a:xfrm>
+                <a:prstGeom prst="rect">
+                  <a:avLst/>
+                </a:prstGeom>
+                <a:solidFill>
+                  <a:schemeClr val="bg1"/>
+                </a:solidFill>
+                <a:ln>
+                  <a:noFill/>
+                </a:ln>
+              </p:spPr>
+              <p:style>
+                <a:lnRef idx="2">
+                  <a:schemeClr val="accent1">
+                    <a:lumMod val="75000"/>
+                  </a:schemeClr>
+                </a:lnRef>
+                <a:fillRef idx="1">
+                  <a:schemeClr val="accent1"/>
+                </a:fillRef>
+                <a:effectRef idx="0">
+                  <a:srgbClr val="FFFFFF"/>
+                </a:effectRef>
+                <a:fontRef idx="minor">
+                  <a:schemeClr val="lt1"/>
+                </a:fontRef>
+              </p:style>
+              <p:txBody>
+                <a:bodyPr rtlCol="0" anchor="ctr"/>
+                <a:lstStyle/>
+                <a:p>
+                  <a:pPr algn="ctr"/>
+                  <a:endParaRPr lang="en-US"/>
+                </a:p>
+              </p:txBody>
+            </p:sp>
+            <p:sp>
+              <p:nvSpPr>
+                <p:cNvPr id="9" name="Freeform 8"/>
+                <p:cNvSpPr/>
+                <p:nvPr/>
+              </p:nvSpPr>
+              <p:spPr>
+                <a:xfrm flipV="1">
+                  <a:off x="934" y="150"/>
+                  <a:ext cx="5550" cy="5251"/>
+                </a:xfrm>
+                <a:custGeom>
+                  <a:avLst/>
+                  <a:gdLst>
+                    <a:gd name="connsiteX0" fmla="*/ 0 w 5550"/>
+                    <a:gd name="connsiteY0" fmla="*/ 2105 h 5529"/>
+                    <a:gd name="connsiteX1" fmla="*/ 2766 w 5550"/>
+                    <a:gd name="connsiteY1" fmla="*/ 0 h 5529"/>
+                    <a:gd name="connsiteX2" fmla="*/ 5531 w 5550"/>
+                    <a:gd name="connsiteY2" fmla="*/ 2105 h 5529"/>
+                    <a:gd name="connsiteX3" fmla="*/ 5550 w 5550"/>
+                    <a:gd name="connsiteY3" fmla="*/ 5529 h 5529"/>
+                    <a:gd name="connsiteX4" fmla="*/ 0 w 5550"/>
+                    <a:gd name="connsiteY4" fmla="*/ 5529 h 5529"/>
+                    <a:gd name="connsiteX5" fmla="*/ 0 w 5550"/>
+                    <a:gd name="connsiteY5" fmla="*/ 2105 h 5529"/>
+                  </a:gdLst>
+                  <a:ahLst/>
+                  <a:cxnLst>
+                    <a:cxn ang="0">
+                      <a:pos x="connsiteX0" y="connsiteY0"/>
+                    </a:cxn>
+                    <a:cxn ang="0">
+                      <a:pos x="connsiteX1" y="connsiteY1"/>
+                    </a:cxn>
+                    <a:cxn ang="0">
+                      <a:pos x="connsiteX2" y="connsiteY2"/>
+                    </a:cxn>
+                    <a:cxn ang="0">
+                      <a:pos x="connsiteX3" y="connsiteY3"/>
+                    </a:cxn>
+                    <a:cxn ang="0">
+                      <a:pos x="connsiteX4" y="connsiteY4"/>
+                    </a:cxn>
+                    <a:cxn ang="0">
+                      <a:pos x="connsiteX5" y="connsiteY5"/>
+                    </a:cxn>
+                  </a:cxnLst>
+                  <a:rect l="l" t="t" r="r" b="b"/>
+                  <a:pathLst>
+                    <a:path w="5550" h="5529">
+                      <a:moveTo>
+                        <a:pt x="0" y="2105"/>
+                      </a:moveTo>
+                      <a:lnTo>
+                        <a:pt x="2766" y="0"/>
+                      </a:lnTo>
+                      <a:lnTo>
+                        <a:pt x="5531" y="2105"/>
+                      </a:lnTo>
+                      <a:lnTo>
+                        <a:pt x="5550" y="5529"/>
+                      </a:lnTo>
+                      <a:lnTo>
+                        <a:pt x="0" y="5529"/>
+                      </a:lnTo>
+                      <a:lnTo>
+                        <a:pt x="0" y="2105"/>
+                      </a:lnTo>
+                      <a:close/>
+                    </a:path>
+                  </a:pathLst>
+                </a:custGeom>
+                <a:solidFill>
+                  <a:srgbClr val="208D9A"/>
+                </a:solidFill>
+                <a:ln>
+                  <a:noFill/>
+                </a:ln>
+              </p:spPr>
+              <p:style>
+                <a:lnRef idx="2">
+                  <a:schemeClr val="accent1">
+                    <a:lumMod val="75000"/>
+                  </a:schemeClr>
+                </a:lnRef>
+                <a:fillRef idx="1">
+                  <a:schemeClr val="accent1"/>
+                </a:fillRef>
+                <a:effectRef idx="0">
+                  <a:srgbClr val="FFFFFF"/>
+                </a:effectRef>
+                <a:fontRef idx="minor">
+                  <a:schemeClr val="lt1"/>
+                </a:fontRef>
+              </p:style>
+              <p:txBody>
+                <a:bodyPr rtlCol="0" anchor="ctr"/>
+                <a:lstStyle/>
+                <a:p>
+                  <a:pPr algn="ctr"/>
+                  <a:endParaRPr lang="en-US"/>
+                </a:p>
+              </p:txBody>
+            </p:sp>
+          </p:grpSp>
+          <p:sp>
+            <p:nvSpPr>
+              <p:cNvPr id="12" name="Freeform 11"/>
+              <p:cNvSpPr/>
+              <p:nvPr/>
+            </p:nvSpPr>
+            <p:spPr>
+              <a:xfrm flipV="1">
+                <a:off x="934" y="150"/>
+                <a:ext cx="5550" cy="4683"/>
+              </a:xfrm>
+              <a:custGeom>
+                <a:avLst/>
+                <a:gdLst>
+                  <a:gd name="connsiteX0" fmla="*/ 0 w 5550"/>
+                  <a:gd name="connsiteY0" fmla="*/ 2105 h 5529"/>
+                  <a:gd name="connsiteX1" fmla="*/ 2766 w 5550"/>
+                  <a:gd name="connsiteY1" fmla="*/ 0 h 5529"/>
+                  <a:gd name="connsiteX2" fmla="*/ 5531 w 5550"/>
+                  <a:gd name="connsiteY2" fmla="*/ 2105 h 5529"/>
+                  <a:gd name="connsiteX3" fmla="*/ 5550 w 5550"/>
+                  <a:gd name="connsiteY3" fmla="*/ 5529 h 5529"/>
+                  <a:gd name="connsiteX4" fmla="*/ 0 w 5550"/>
+                  <a:gd name="connsiteY4" fmla="*/ 5529 h 5529"/>
+                  <a:gd name="connsiteX5" fmla="*/ 0 w 5550"/>
+                  <a:gd name="connsiteY5" fmla="*/ 2105 h 5529"/>
+                </a:gdLst>
+                <a:ahLst/>
+                <a:cxnLst>
+                  <a:cxn ang="0">
+                    <a:pos x="connsiteX0" y="connsiteY0"/>
+                  </a:cxn>
+                  <a:cxn ang="0">
+                    <a:pos x="connsiteX1" y="connsiteY1"/>
+                  </a:cxn>
+                  <a:cxn ang="0">
+                    <a:pos x="connsiteX2" y="connsiteY2"/>
+                  </a:cxn>
+                  <a:cxn ang="0">
+                    <a:pos x="connsiteX3" y="connsiteY3"/>
+                  </a:cxn>
+                  <a:cxn ang="0">
+                    <a:pos x="connsiteX4" y="connsiteY4"/>
+                  </a:cxn>
+                  <a:cxn ang="0">
+                    <a:pos x="connsiteX5" y="connsiteY5"/>
+                  </a:cxn>
+                </a:cxnLst>
+                <a:rect l="l" t="t" r="r" b="b"/>
+                <a:pathLst>
+                  <a:path w="5550" h="5529">
+                    <a:moveTo>
+                      <a:pt x="0" y="2105"/>
+                    </a:moveTo>
+                    <a:lnTo>
+                      <a:pt x="2766" y="0"/>
+                    </a:lnTo>
+                    <a:lnTo>
+                      <a:pt x="5531" y="2105"/>
+                    </a:lnTo>
+                    <a:lnTo>
+                      <a:pt x="5550" y="5529"/>
+                    </a:lnTo>
+                    <a:lnTo>
+                      <a:pt x="0" y="5529"/>
+                    </a:lnTo>
+                    <a:lnTo>
+                      <a:pt x="0" y="2105"/>
+                    </a:lnTo>
+                    <a:close/>
+                  </a:path>
+                </a:pathLst>
+              </a:custGeom>
+              <a:gradFill>
+                <a:gsLst>
+                  <a:gs pos="0">
+                    <a:srgbClr val="29AFC3"/>
+                  </a:gs>
+                  <a:gs pos="100000">
+                    <a:srgbClr val="C9EEF4"/>
+                  </a:gs>
+                </a:gsLst>
+                <a:lin ang="5400000" scaled="0"/>
+              </a:gradFill>
+              <a:ln>
+                <a:solidFill>
+                  <a:schemeClr val="tx1"/>
+                </a:solidFill>
+              </a:ln>
+            </p:spPr>
+            <p:style>
+              <a:lnRef idx="2">
+                <a:schemeClr val="accent1">
+                  <a:lumMod val="75000"/>
+                </a:schemeClr>
+              </a:lnRef>
+              <a:fillRef idx="1">
+                <a:schemeClr val="accent1"/>
+              </a:fillRef>
+              <a:effectRef idx="0">
+                <a:srgbClr val="FFFFFF"/>
+              </a:effectRef>
+              <a:fontRef idx="minor">
+                <a:schemeClr val="lt1"/>
+              </a:fontRef>
+            </p:style>
+            <p:txBody>
+              <a:bodyPr rtlCol="0" anchor="ctr"/>
+              <a:lstStyle/>
+              <a:p>
+                <a:pPr algn="ctr"/>
+                <a:endParaRPr lang="en-US"/>
+              </a:p>
+            </p:txBody>
+          </p:sp>
+        </p:grpSp>
+        <p:pic>
+          <p:nvPicPr>
+            <p:cNvPr id="24" name="Picture 23" descr="logo"/>
+            <p:cNvPicPr>
+              <a:picLocks noChangeAspect="1"/>
+            </p:cNvPicPr>
+            <p:nvPr/>
+          </p:nvPicPr>
+          <p:blipFill>
+            <a:blip r:embed="rId3"/>
+            <a:stretch>
+              <a:fillRect/>
+            </a:stretch>
+          </p:blipFill>
+          <p:spPr>
+            <a:xfrm>
+              <a:off x="3090" y="1543"/>
+              <a:ext cx="3834" cy="3478"/>
+            </a:xfrm>
+            <a:prstGeom prst="rect">
+              <a:avLst/>
+            </a:prstGeom>
+          </p:spPr>
+        </p:pic>
+      </p:grpSp>
+      <p:pic>
+        <p:nvPicPr>
+          <p:cNvPr id="3" name="Picture 2">
+            <a:extLst>
+              <a:ext uri="{FF2B5EF4-FFF2-40B4-BE49-F238E27FC236}">
+                <a16:creationId xmlns:a16="http://schemas.microsoft.com/office/drawing/2014/main" id="{0DC213D6-C537-B10F-B677-7942F9A0B6F3}"/>
+              </a:ext>
+            </a:extLst>
+          </p:cNvPr>
+          <p:cNvPicPr>
+            <a:picLocks noChangeAspect="1"/>
+          </p:cNvPicPr>
+          <p:nvPr/>
+        </p:nvPicPr>
+        <p:blipFill>
+          <a:blip r:embed="rId4">
+            <a:extLst>
+              <a:ext uri="{28A0092B-C50C-407E-A947-70E740481C1C}">
+                <a14:useLocalDpi xmlns:a14="http://schemas.microsoft.com/office/drawing/2010/main" val="0"/>
+              </a:ext>
+            </a:extLst>
+          </a:blip>
+          <a:stretch>
+            <a:fillRect/>
+          </a:stretch>
+        </p:blipFill>
+        <p:spPr>
+          <a:xfrm>
+            <a:off x="8443912" y="95250"/>
+            <a:ext cx="3571875" cy="6667500"/>
+          </a:xfrm>
+          <a:prstGeom prst="rect">
+            <a:avLst/>
+          </a:prstGeom>
+        </p:spPr>
+      </p:pic>
+      <p:sp>
+        <p:nvSpPr>
+          <p:cNvPr id="5" name="Freeform 11">
+            <a:extLst>
+              <a:ext uri="{FF2B5EF4-FFF2-40B4-BE49-F238E27FC236}">
+                <a16:creationId xmlns:a16="http://schemas.microsoft.com/office/drawing/2014/main" id="{CFF9EBBB-25EA-7BE9-3FA8-F079B814D187}"/>
+              </a:ext>
+            </a:extLst>
+          </p:cNvPr>
+          <p:cNvSpPr/>
+          <p:nvPr/>
+        </p:nvSpPr>
+        <p:spPr>
+          <a:xfrm flipV="1">
+            <a:off x="8467724" y="368300"/>
+            <a:ext cx="3524250" cy="2973705"/>
+          </a:xfrm>
+          <a:custGeom>
+            <a:avLst/>
+            <a:gdLst>
+              <a:gd name="connsiteX0" fmla="*/ 0 w 5550"/>
+              <a:gd name="connsiteY0" fmla="*/ 2105 h 5529"/>
+              <a:gd name="connsiteX1" fmla="*/ 2766 w 5550"/>
+              <a:gd name="connsiteY1" fmla="*/ 0 h 5529"/>
+              <a:gd name="connsiteX2" fmla="*/ 5531 w 5550"/>
+              <a:gd name="connsiteY2" fmla="*/ 2105 h 5529"/>
+              <a:gd name="connsiteX3" fmla="*/ 5550 w 5550"/>
+              <a:gd name="connsiteY3" fmla="*/ 5529 h 5529"/>
+              <a:gd name="connsiteX4" fmla="*/ 0 w 5550"/>
+              <a:gd name="connsiteY4" fmla="*/ 5529 h 5529"/>
+              <a:gd name="connsiteX5" fmla="*/ 0 w 5550"/>
+              <a:gd name="connsiteY5" fmla="*/ 2105 h 5529"/>
+            </a:gdLst>
+            <a:ahLst/>
+            <a:cxnLst>
+              <a:cxn ang="0">
+                <a:pos x="connsiteX0" y="connsiteY0"/>
+              </a:cxn>
+              <a:cxn ang="0">
+                <a:pos x="connsiteX1" y="connsiteY1"/>
+              </a:cxn>
+              <a:cxn ang="0">
+                <a:pos x="connsiteX2" y="connsiteY2"/>
+              </a:cxn>
+              <a:cxn ang="0">
+                <a:pos x="connsiteX3" y="connsiteY3"/>
+              </a:cxn>
+              <a:cxn ang="0">
+                <a:pos x="connsiteX4" y="connsiteY4"/>
+              </a:cxn>
+              <a:cxn ang="0">
+                <a:pos x="connsiteX5" y="connsiteY5"/>
+              </a:cxn>
+            </a:cxnLst>
+            <a:rect l="l" t="t" r="r" b="b"/>
+            <a:pathLst>
+              <a:path w="5550" h="5529">
+                <a:moveTo>
+                  <a:pt x="0" y="2105"/>
+                </a:moveTo>
+                <a:lnTo>
+                  <a:pt x="2766" y="0"/>
+                </a:lnTo>
+                <a:lnTo>
+                  <a:pt x="5531" y="2105"/>
+                </a:lnTo>
+                <a:lnTo>
+                  <a:pt x="5550" y="5529"/>
+                </a:lnTo>
+                <a:lnTo>
+                  <a:pt x="0" y="5529"/>
+                </a:lnTo>
+                <a:lnTo>
+                  <a:pt x="0" y="2105"/>
+                </a:lnTo>
+                <a:close/>
+              </a:path>
+            </a:pathLst>
+          </a:custGeom>
+          <a:gradFill>
+            <a:gsLst>
+              <a:gs pos="0">
+                <a:srgbClr val="29AFC3"/>
+              </a:gs>
+              <a:gs pos="100000">
+                <a:srgbClr val="C9EEF4"/>
+              </a:gs>
+            </a:gsLst>
+            <a:lin ang="5400000" scaled="0"/>
+          </a:gradFill>
+          <a:ln>
+            <a:solidFill>
+              <a:schemeClr val="tx1"/>
+            </a:solidFill>
+          </a:ln>
+        </p:spPr>
+        <p:style>
+          <a:lnRef idx="2">
+            <a:schemeClr val="accent1">
+              <a:lumMod val="75000"/>
+            </a:schemeClr>
+          </a:lnRef>
+          <a:fillRef idx="1">
+            <a:schemeClr val="accent1"/>
+          </a:fillRef>
+          <a:effectRef idx="0">
+            <a:srgbClr val="FFFFFF"/>
+          </a:effectRef>
+          <a:fontRef idx="minor">
+            <a:schemeClr val="lt1"/>
+          </a:fontRef>
+        </p:style>
+        <p:txBody>
+          <a:bodyPr rtlCol="0" anchor="ctr"/>
+          <a:lstStyle/>
+          <a:p>
+            <a:pPr algn="ctr"/>
+            <a:endParaRPr lang="en-US"/>
+          </a:p>
+        </p:txBody>
+      </p:sp>
+    </p:spTree>
+    <p:extLst>
+      <p:ext uri="{BB962C8B-B14F-4D97-AF65-F5344CB8AC3E}">
+        <p14:creationId xmlns:p14="http://schemas.microsoft.com/office/powerpoint/2010/main" val="4091682593"/>
+      </p:ext>
+    </p:extLst>
   </p:cSld>
   <p:clrMapOvr>
     <a:masterClrMapping/>
@@ -4235,6 +5047,8 @@
       </a:bgFillStyleLst>
     </a:fmtScheme>
   </a:themeElements>
+  <a:objectDefaults/>
+  <a:extraClrSchemeLst/>
   <a:extLst>
     <a:ext uri="{05A4C25C-085E-4340-85A3-A5531E510DB2}">
       <thm15:themeFamily xmlns:thm15="http://schemas.microsoft.com/office/thememl/2012/main" name="Office Theme" id="{62F939B6-93AF-4DB8-9C6B-D6C7DFDC589F}" vid="{4A3C46E8-61CC-4603-A589-7422A47A8E4A}"/>
@@ -4494,6 +5308,8 @@
       </a:bgFillStyleLst>
     </a:fmtScheme>
   </a:themeElements>
+  <a:objectDefaults/>
+  <a:extraClrSchemeLst/>
   <a:extLst>
     <a:ext uri="{05A4C25C-085E-4340-85A3-A5531E510DB2}">
       <thm15:themeFamily xmlns:thm15="http://schemas.microsoft.com/office/thememl/2012/main" name="Office Theme" id="{62F939B6-93AF-4DB8-9C6B-D6C7DFDC589F}" vid="{4A3C46E8-61CC-4603-A589-7422A47A8E4A}"/>
